--- a/presentations/Bài 7_Gioi thieu Java OOP.pptx
+++ b/presentations/Bài 7_Gioi thieu Java OOP.pptx
@@ -5,7 +5,7 @@
     <p:sldMasterId id="2147483659" r:id="rId1"/>
   </p:sldMasterIdLst>
   <p:notesMasterIdLst>
-    <p:notesMasterId r:id="rId53"/>
+    <p:notesMasterId r:id="rId54"/>
   </p:notesMasterIdLst>
   <p:sldIdLst>
     <p:sldId id="256" r:id="rId2"/>
@@ -59,27 +59,28 @@
     <p:sldId id="332" r:id="rId50"/>
     <p:sldId id="333" r:id="rId51"/>
     <p:sldId id="334" r:id="rId52"/>
+    <p:sldId id="346" r:id="rId53"/>
   </p:sldIdLst>
   <p:sldSz cx="9144000" cy="5143500" type="screen16x9"/>
   <p:notesSz cx="6858000" cy="9144000"/>
   <p:embeddedFontLst>
     <p:embeddedFont>
       <p:font typeface="Alfa Slab One" panose="020B0604020202020204" charset="0"/>
-      <p:regular r:id="rId54"/>
+      <p:regular r:id="rId55"/>
     </p:embeddedFont>
     <p:embeddedFont>
       <p:font typeface="Proxima Nova" panose="020B0604020202020204" charset="0"/>
-      <p:regular r:id="rId55"/>
-      <p:bold r:id="rId56"/>
-      <p:italic r:id="rId57"/>
-      <p:boldItalic r:id="rId58"/>
+      <p:regular r:id="rId56"/>
+      <p:bold r:id="rId57"/>
+      <p:italic r:id="rId58"/>
+      <p:boldItalic r:id="rId59"/>
     </p:embeddedFont>
     <p:embeddedFont>
       <p:font typeface="Roboto" panose="02000000000000000000" pitchFamily="2" charset="0"/>
-      <p:regular r:id="rId59"/>
-      <p:bold r:id="rId60"/>
-      <p:italic r:id="rId61"/>
-      <p:boldItalic r:id="rId62"/>
+      <p:regular r:id="rId60"/>
+      <p:bold r:id="rId61"/>
+      <p:italic r:id="rId62"/>
+      <p:boldItalic r:id="rId63"/>
     </p:embeddedFont>
   </p:embeddedFontLst>
   <p:defaultTextStyle>
@@ -30939,8 +30940,8 @@
         </p:nvSpPr>
         <p:spPr>
           <a:xfrm>
-            <a:off x="311700" y="1402269"/>
-            <a:ext cx="4572000" cy="307777"/>
+            <a:off x="311699" y="1402269"/>
+            <a:ext cx="6310773" cy="307777"/>
           </a:xfrm>
           <a:prstGeom prst="rect">
             <a:avLst/>
@@ -30954,8 +30955,28 @@
           <a:lstStyle/>
           <a:p>
             <a:r>
+              <a:rPr lang="vi-VN"/>
+              <a:t>Các tham chiếu đối tượng có giống như các con trỏ trong </a:t>
+            </a:r>
+            <a:r>
               <a:rPr lang="en-US"/>
-              <a:t>Are object references same as pointers in C and C++?</a:t>
+              <a:t>C </a:t>
+            </a:r>
+            <a:r>
+              <a:rPr lang="vi-VN"/>
+              <a:t>và</a:t>
+            </a:r>
+            <a:r>
+              <a:rPr lang="en-US"/>
+              <a:t> C++</a:t>
+            </a:r>
+            <a:r>
+              <a:rPr lang="vi-VN"/>
+              <a:t> không</a:t>
+            </a:r>
+            <a:r>
+              <a:rPr lang="en-US"/>
+              <a:t>?</a:t>
             </a:r>
           </a:p>
         </p:txBody>
@@ -30989,9 +31010,10 @@
           <a:lstStyle/>
           <a:p>
             <a:r>
-              <a:rPr lang="en-US"/>
-              <a:t>Where are objects created?</a:t>
-            </a:r>
+              <a:rPr lang="vi-VN"/>
+              <a:t>Các đối tượng được tạo ở đâu?</a:t>
+            </a:r>
+            <a:endParaRPr lang="en-US"/>
           </a:p>
         </p:txBody>
       </p:sp>
@@ -31009,8 +31031,8 @@
         </p:nvSpPr>
         <p:spPr>
           <a:xfrm>
-            <a:off x="311700" y="2194474"/>
-            <a:ext cx="4572000" cy="307777"/>
+            <a:off x="311699" y="2194474"/>
+            <a:ext cx="5985191" cy="307777"/>
           </a:xfrm>
           <a:prstGeom prst="rect">
             <a:avLst/>
@@ -31024,9 +31046,10 @@
           <a:lstStyle/>
           <a:p>
             <a:r>
-              <a:rPr lang="en-US"/>
-              <a:t>Can classes exist without objects?</a:t>
-            </a:r>
+              <a:rPr lang="vi-VN"/>
+              <a:t>Các lớp có thể tồn tại mà không có đối tượng không?</a:t>
+            </a:r>
+            <a:endParaRPr lang="en-US"/>
           </a:p>
         </p:txBody>
       </p:sp>
@@ -31060,7 +31083,15 @@
           <a:p>
             <a:r>
               <a:rPr lang="en-US"/>
-              <a:t>What does an instance actually mean?</a:t>
+              <a:t>Một </a:t>
+            </a:r>
+            <a:r>
+              <a:rPr lang="vi-VN"/>
+              <a:t>thể hiện </a:t>
+            </a:r>
+            <a:r>
+              <a:rPr lang="en-US"/>
+              <a:t>thực sự có nghĩa là gì?</a:t>
             </a:r>
           </a:p>
         </p:txBody>
@@ -33131,6 +33162,110 @@
 </p:sld>
 </file>
 
+<file path=ppt/slides/slide52.xml><?xml version="1.0" encoding="utf-8"?>
+<p:sld xmlns:a="http://schemas.openxmlformats.org/drawingml/2006/main" xmlns:r="http://schemas.openxmlformats.org/officeDocument/2006/relationships" xmlns:p="http://schemas.openxmlformats.org/presentationml/2006/main">
+  <p:cSld>
+    <p:spTree>
+      <p:nvGrpSpPr>
+        <p:cNvPr id="1" name=""/>
+        <p:cNvGrpSpPr/>
+        <p:nvPr/>
+      </p:nvGrpSpPr>
+      <p:grpSpPr>
+        <a:xfrm>
+          <a:off x="0" y="0"/>
+          <a:ext cx="0" cy="0"/>
+          <a:chOff x="0" y="0"/>
+          <a:chExt cx="0" cy="0"/>
+        </a:xfrm>
+      </p:grpSpPr>
+      <p:sp>
+        <p:nvSpPr>
+          <p:cNvPr id="2" name="Title 1">
+            <a:extLst>
+              <a:ext uri="{FF2B5EF4-FFF2-40B4-BE49-F238E27FC236}">
+                <a16:creationId xmlns:a16="http://schemas.microsoft.com/office/drawing/2014/main" id="{CF6D12E1-FBF4-CDF1-B80D-910C581441FA}"/>
+              </a:ext>
+            </a:extLst>
+          </p:cNvPr>
+          <p:cNvSpPr>
+            <a:spLocks noGrp="1"/>
+          </p:cNvSpPr>
+          <p:nvPr>
+            <p:ph type="title"/>
+          </p:nvPr>
+        </p:nvSpPr>
+        <p:spPr/>
+        <p:txBody>
+          <a:bodyPr>
+            <a:normAutofit fontScale="90000"/>
+          </a:bodyPr>
+          <a:lstStyle/>
+          <a:p>
+            <a:endParaRPr lang="en-US"/>
+          </a:p>
+        </p:txBody>
+      </p:sp>
+      <p:pic>
+        <p:nvPicPr>
+          <p:cNvPr id="2050" name="Picture 2">
+            <a:extLst>
+              <a:ext uri="{FF2B5EF4-FFF2-40B4-BE49-F238E27FC236}">
+                <a16:creationId xmlns:a16="http://schemas.microsoft.com/office/drawing/2014/main" id="{DEF02AC6-78FC-B7BC-B1CC-891990A6FE59}"/>
+              </a:ext>
+            </a:extLst>
+          </p:cNvPr>
+          <p:cNvPicPr>
+            <a:picLocks noChangeAspect="1" noChangeArrowheads="1"/>
+          </p:cNvPicPr>
+          <p:nvPr/>
+        </p:nvPicPr>
+        <p:blipFill>
+          <a:blip r:embed="rId2">
+            <a:extLst>
+              <a:ext uri="{28A0092B-C50C-407E-A947-70E740481C1C}">
+                <a14:useLocalDpi xmlns:a14="http://schemas.microsoft.com/office/drawing/2010/main" val="0"/>
+              </a:ext>
+            </a:extLst>
+          </a:blip>
+          <a:srcRect/>
+          <a:stretch>
+            <a:fillRect/>
+          </a:stretch>
+        </p:blipFill>
+        <p:spPr bwMode="auto">
+          <a:xfrm>
+            <a:off x="0" y="0"/>
+            <a:ext cx="9144000" cy="5143500"/>
+          </a:xfrm>
+          <a:prstGeom prst="rect">
+            <a:avLst/>
+          </a:prstGeom>
+          <a:noFill/>
+          <a:extLst>
+            <a:ext uri="{909E8E84-426E-40DD-AFC4-6F175D3DCCD1}">
+              <a14:hiddenFill xmlns:a14="http://schemas.microsoft.com/office/drawing/2010/main">
+                <a:solidFill>
+                  <a:srgbClr val="FFFFFF"/>
+                </a:solidFill>
+              </a14:hiddenFill>
+            </a:ext>
+          </a:extLst>
+        </p:spPr>
+      </p:pic>
+    </p:spTree>
+    <p:extLst>
+      <p:ext uri="{BB962C8B-B14F-4D97-AF65-F5344CB8AC3E}">
+        <p14:creationId xmlns:p14="http://schemas.microsoft.com/office/powerpoint/2010/main" val="1171021255"/>
+      </p:ext>
+    </p:extLst>
+  </p:cSld>
+  <p:clrMapOvr>
+    <a:masterClrMapping/>
+  </p:clrMapOvr>
+</p:sld>
+</file>
+
 <file path=ppt/slides/slide6.xml><?xml version="1.0" encoding="utf-8"?>
 <p:sld xmlns:a="http://schemas.openxmlformats.org/drawingml/2006/main" xmlns:r="http://schemas.openxmlformats.org/officeDocument/2006/relationships" xmlns:p="http://schemas.openxmlformats.org/presentationml/2006/main">
   <p:cSld>
@@ -33258,36 +33393,345 @@
           </a:p>
         </p:txBody>
       </p:sp>
-      <p:pic>
-        <p:nvPicPr>
-          <p:cNvPr id="2" name="Picture 1">
+      <p:graphicFrame>
+        <p:nvGraphicFramePr>
+          <p:cNvPr id="3" name="Table 3">
             <a:extLst>
               <a:ext uri="{FF2B5EF4-FFF2-40B4-BE49-F238E27FC236}">
-                <a16:creationId xmlns:a16="http://schemas.microsoft.com/office/drawing/2014/main" id="{569E6F9A-7BC2-89E7-23E3-A52E1C320F30}"/>
+                <a16:creationId xmlns:a16="http://schemas.microsoft.com/office/drawing/2014/main" id="{79D802D8-B30C-5620-0620-3C46C9051A7C}"/>
               </a:ext>
             </a:extLst>
           </p:cNvPr>
-          <p:cNvPicPr>
-            <a:picLocks noChangeAspect="1"/>
-          </p:cNvPicPr>
-          <p:nvPr/>
-        </p:nvPicPr>
-        <p:blipFill>
-          <a:blip r:embed="rId3"/>
-          <a:stretch>
-            <a:fillRect/>
-          </a:stretch>
-        </p:blipFill>
-        <p:spPr>
-          <a:xfrm>
-            <a:off x="1547132" y="1955345"/>
-            <a:ext cx="6049735" cy="3024868"/>
-          </a:xfrm>
-          <a:prstGeom prst="rect">
-            <a:avLst/>
-          </a:prstGeom>
-        </p:spPr>
-      </p:pic>
+          <p:cNvGraphicFramePr>
+            <a:graphicFrameLocks noGrp="1"/>
+          </p:cNvGraphicFramePr>
+          <p:nvPr>
+            <p:extLst>
+              <p:ext uri="{D42A27DB-BD31-4B8C-83A1-F6EECF244321}">
+                <p14:modId xmlns:p14="http://schemas.microsoft.com/office/powerpoint/2010/main" val="2853458576"/>
+              </p:ext>
+            </p:extLst>
+          </p:nvPr>
+        </p:nvGraphicFramePr>
+        <p:xfrm>
+          <a:off x="879762" y="1952560"/>
+          <a:ext cx="7827820" cy="3083560"/>
+        </p:xfrm>
+        <a:graphic>
+          <a:graphicData uri="http://schemas.openxmlformats.org/drawingml/2006/table">
+            <a:tbl>
+              <a:tblPr firstRow="1" bandRow="1">
+                <a:tableStyleId>{5C22544A-7EE6-4342-B048-85BDC9FD1C3A}</a:tableStyleId>
+              </a:tblPr>
+              <a:tblGrid>
+                <a:gridCol w="3913910">
+                  <a:extLst>
+                    <a:ext uri="{9D8B030D-6E8A-4147-A177-3AD203B41FA5}">
+                      <a16:colId xmlns:a16="http://schemas.microsoft.com/office/drawing/2014/main" val="1759851689"/>
+                    </a:ext>
+                  </a:extLst>
+                </a:gridCol>
+                <a:gridCol w="3913910">
+                  <a:extLst>
+                    <a:ext uri="{9D8B030D-6E8A-4147-A177-3AD203B41FA5}">
+                      <a16:colId xmlns:a16="http://schemas.microsoft.com/office/drawing/2014/main" val="3742070417"/>
+                    </a:ext>
+                  </a:extLst>
+                </a:gridCol>
+              </a:tblGrid>
+              <a:tr h="370840">
+                <a:tc>
+                  <a:txBody>
+                    <a:bodyPr/>
+                    <a:lstStyle/>
+                    <a:p>
+                      <a:r>
+                        <a:rPr lang="vi-VN" sz="1300"/>
+                        <a:t>Lập trình hướng cấu trúc/thủ tục</a:t>
+                      </a:r>
+                      <a:endParaRPr lang="en-US" sz="1300"/>
+                    </a:p>
+                  </a:txBody>
+                  <a:tcPr/>
+                </a:tc>
+                <a:tc>
+                  <a:txBody>
+                    <a:bodyPr/>
+                    <a:lstStyle/>
+                    <a:p>
+                      <a:r>
+                        <a:rPr lang="vi-VN" sz="1300"/>
+                        <a:t>Lập trình hướng đối tượng</a:t>
+                      </a:r>
+                      <a:endParaRPr lang="en-US" sz="1300"/>
+                    </a:p>
+                  </a:txBody>
+                  <a:tcPr/>
+                </a:tc>
+                <a:extLst>
+                  <a:ext uri="{0D108BD9-81ED-4DB2-BD59-A6C34878D82A}">
+                    <a16:rowId xmlns:a16="http://schemas.microsoft.com/office/drawing/2014/main" val="2301375385"/>
+                  </a:ext>
+                </a:extLst>
+              </a:tr>
+              <a:tr h="370840">
+                <a:tc>
+                  <a:txBody>
+                    <a:bodyPr/>
+                    <a:lstStyle/>
+                    <a:p>
+                      <a:r>
+                        <a:rPr lang="vi-VN" sz="1300"/>
+                        <a:t>Mã được chia thành các mô-đun hoặc chức năng</a:t>
+                      </a:r>
+                      <a:endParaRPr lang="en-US" sz="1300"/>
+                    </a:p>
+                  </a:txBody>
+                  <a:tcPr/>
+                </a:tc>
+                <a:tc>
+                  <a:txBody>
+                    <a:bodyPr/>
+                    <a:lstStyle/>
+                    <a:p>
+                      <a:r>
+                        <a:rPr lang="vi-VN" sz="1300"/>
+                        <a:t>Mã được tạo thành từ các lớp và đối tượng</a:t>
+                      </a:r>
+                      <a:endParaRPr lang="en-US" sz="1300"/>
+                    </a:p>
+                  </a:txBody>
+                  <a:tcPr/>
+                </a:tc>
+                <a:extLst>
+                  <a:ext uri="{0D108BD9-81ED-4DB2-BD59-A6C34878D82A}">
+                    <a16:rowId xmlns:a16="http://schemas.microsoft.com/office/drawing/2014/main" val="1513091988"/>
+                  </a:ext>
+                </a:extLst>
+              </a:tr>
+              <a:tr h="370840">
+                <a:tc>
+                  <a:txBody>
+                    <a:bodyPr/>
+                    <a:lstStyle/>
+                    <a:p>
+                      <a:r>
+                        <a:rPr lang="vi-VN" sz="1300"/>
+                        <a:t>Cách tiếp cận từ trên xuống</a:t>
+                      </a:r>
+                      <a:endParaRPr lang="en-US" sz="1300"/>
+                    </a:p>
+                  </a:txBody>
+                  <a:tcPr/>
+                </a:tc>
+                <a:tc>
+                  <a:txBody>
+                    <a:bodyPr/>
+                    <a:lstStyle/>
+                    <a:p>
+                      <a:r>
+                        <a:rPr lang="vi-VN" sz="1300"/>
+                        <a:t>Cách tiếp cận từ dưới lên</a:t>
+                      </a:r>
+                      <a:endParaRPr lang="en-US" sz="1300"/>
+                    </a:p>
+                  </a:txBody>
+                  <a:tcPr/>
+                </a:tc>
+                <a:extLst>
+                  <a:ext uri="{0D108BD9-81ED-4DB2-BD59-A6C34878D82A}">
+                    <a16:rowId xmlns:a16="http://schemas.microsoft.com/office/drawing/2014/main" val="3294135520"/>
+                  </a:ext>
+                </a:extLst>
+              </a:tr>
+              <a:tr h="370840">
+                <a:tc>
+                  <a:txBody>
+                    <a:bodyPr/>
+                    <a:lstStyle/>
+                    <a:p>
+                      <a:r>
+                        <a:rPr lang="en-US" sz="1300"/>
+                        <a:t>Khó sửa đổi/quản lý</a:t>
+                      </a:r>
+                    </a:p>
+                  </a:txBody>
+                  <a:tcPr/>
+                </a:tc>
+                <a:tc>
+                  <a:txBody>
+                    <a:bodyPr/>
+                    <a:lstStyle/>
+                    <a:p>
+                      <a:r>
+                        <a:rPr lang="en-US" sz="1300"/>
+                        <a:t>Dễ dàng sửa đổi/quản lý</a:t>
+                      </a:r>
+                    </a:p>
+                  </a:txBody>
+                  <a:tcPr/>
+                </a:tc>
+                <a:extLst>
+                  <a:ext uri="{0D108BD9-81ED-4DB2-BD59-A6C34878D82A}">
+                    <a16:rowId xmlns:a16="http://schemas.microsoft.com/office/drawing/2014/main" val="2099609528"/>
+                  </a:ext>
+                </a:extLst>
+              </a:tr>
+              <a:tr h="370840">
+                <a:tc>
+                  <a:txBody>
+                    <a:bodyPr/>
+                    <a:lstStyle/>
+                    <a:p>
+                      <a:r>
+                        <a:rPr lang="vi-VN" sz="1300"/>
+                        <a:t>Hàm main </a:t>
+                      </a:r>
+                      <a:r>
+                        <a:rPr lang="en-US" sz="1300"/>
+                        <a:t>gọi các </a:t>
+                      </a:r>
+                      <a:r>
+                        <a:rPr lang="vi-VN" sz="1300"/>
+                        <a:t>hàm </a:t>
+                      </a:r>
+                      <a:r>
+                        <a:rPr lang="en-US" sz="1300"/>
+                        <a:t>khác</a:t>
+                      </a:r>
+                    </a:p>
+                  </a:txBody>
+                  <a:tcPr/>
+                </a:tc>
+                <a:tc>
+                  <a:txBody>
+                    <a:bodyPr/>
+                    <a:lstStyle/>
+                    <a:p>
+                      <a:r>
+                        <a:rPr lang="vi-VN" sz="1300"/>
+                        <a:t>Các đối tượng giao tiếp bằng cách truyền thông điệp</a:t>
+                      </a:r>
+                      <a:endParaRPr lang="en-US" sz="1300"/>
+                    </a:p>
+                  </a:txBody>
+                  <a:tcPr/>
+                </a:tc>
+                <a:extLst>
+                  <a:ext uri="{0D108BD9-81ED-4DB2-BD59-A6C34878D82A}">
+                    <a16:rowId xmlns:a16="http://schemas.microsoft.com/office/drawing/2014/main" val="3560860523"/>
+                  </a:ext>
+                </a:extLst>
+              </a:tr>
+              <a:tr h="370840">
+                <a:tc>
+                  <a:txBody>
+                    <a:bodyPr/>
+                    <a:lstStyle/>
+                    <a:p>
+                      <a:r>
+                        <a:rPr lang="vi-VN" sz="1300"/>
+                        <a:t>Dữ liệu không được bảo mật</a:t>
+                      </a:r>
+                      <a:endParaRPr lang="en-US" sz="1300"/>
+                    </a:p>
+                  </a:txBody>
+                  <a:tcPr/>
+                </a:tc>
+                <a:tc>
+                  <a:txBody>
+                    <a:bodyPr/>
+                    <a:lstStyle/>
+                    <a:p>
+                      <a:r>
+                        <a:rPr lang="vi-VN" sz="1300"/>
+                        <a:t>Dữ liệu được bảo mật</a:t>
+                      </a:r>
+                      <a:endParaRPr lang="en-US" sz="1300"/>
+                    </a:p>
+                  </a:txBody>
+                  <a:tcPr/>
+                </a:tc>
+                <a:extLst>
+                  <a:ext uri="{0D108BD9-81ED-4DB2-BD59-A6C34878D82A}">
+                    <a16:rowId xmlns:a16="http://schemas.microsoft.com/office/drawing/2014/main" val="3519081791"/>
+                  </a:ext>
+                </a:extLst>
+              </a:tr>
+              <a:tr h="370840">
+                <a:tc>
+                  <a:txBody>
+                    <a:bodyPr/>
+                    <a:lstStyle/>
+                    <a:p>
+                      <a:r>
+                        <a:rPr lang="vi-VN" sz="1300"/>
+                        <a:t>Khả năng sử dụng lại mã ít hơn</a:t>
+                      </a:r>
+                      <a:endParaRPr lang="en-US" sz="1300"/>
+                    </a:p>
+                  </a:txBody>
+                  <a:tcPr/>
+                </a:tc>
+                <a:tc>
+                  <a:txBody>
+                    <a:bodyPr/>
+                    <a:lstStyle/>
+                    <a:p>
+                      <a:r>
+                        <a:rPr lang="vi-VN" sz="1300"/>
+                        <a:t>Khả năng tái sử dụng mã</a:t>
+                      </a:r>
+                      <a:endParaRPr lang="en-US" sz="1300"/>
+                    </a:p>
+                  </a:txBody>
+                  <a:tcPr/>
+                </a:tc>
+                <a:extLst>
+                  <a:ext uri="{0D108BD9-81ED-4DB2-BD59-A6C34878D82A}">
+                    <a16:rowId xmlns:a16="http://schemas.microsoft.com/office/drawing/2014/main" val="585418350"/>
+                  </a:ext>
+                </a:extLst>
+              </a:tr>
+              <a:tr h="370840">
+                <a:tc>
+                  <a:txBody>
+                    <a:bodyPr/>
+                    <a:lstStyle/>
+                    <a:p>
+                      <a:r>
+                        <a:rPr lang="vi-VN" sz="1300"/>
+                        <a:t>Ít linh hoạt và trừu tượng hơn</a:t>
+                      </a:r>
+                      <a:endParaRPr lang="en-US" sz="1300"/>
+                    </a:p>
+                  </a:txBody>
+                  <a:tcPr/>
+                </a:tc>
+                <a:tc>
+                  <a:txBody>
+                    <a:bodyPr/>
+                    <a:lstStyle/>
+                    <a:p>
+                      <a:r>
+                        <a:rPr lang="vi-VN" sz="1300"/>
+                        <a:t>Linh hoạt và trừu tượng hơn</a:t>
+                      </a:r>
+                      <a:endParaRPr lang="en-US" sz="1300"/>
+                    </a:p>
+                  </a:txBody>
+                  <a:tcPr/>
+                </a:tc>
+                <a:extLst>
+                  <a:ext uri="{0D108BD9-81ED-4DB2-BD59-A6C34878D82A}">
+                    <a16:rowId xmlns:a16="http://schemas.microsoft.com/office/drawing/2014/main" val="963392710"/>
+                  </a:ext>
+                </a:extLst>
+              </a:tr>
+            </a:tbl>
+          </a:graphicData>
+        </a:graphic>
+      </p:graphicFrame>
     </p:spTree>
     <p:extLst>
       <p:ext uri="{BB962C8B-B14F-4D97-AF65-F5344CB8AC3E}">
